--- a/hw/ps1/ps1 report.pptx
+++ b/hw/ps1/ps1 report.pptx
@@ -9638,10 +9638,10 @@
               <a:buNone/>
             </a:pPr>
             <a:r>
-              <a:rPr lang="en"/>
+              <a:rPr lang="en" dirty="0"/>
               <a:t>CS 4476/6476 Spring 2020</a:t>
             </a:r>
-            <a:endParaRPr/>
+            <a:endParaRPr dirty="0"/>
           </a:p>
           <a:p>
             <a:pPr marL="0" lvl="0" indent="0" algn="ctr" rtl="0">
@@ -9658,10 +9658,10 @@
               <a:buNone/>
             </a:pPr>
             <a:r>
-              <a:rPr lang="en"/>
+              <a:rPr lang="en" dirty="0"/>
               <a:t>PS1</a:t>
             </a:r>
-            <a:endParaRPr/>
+            <a:endParaRPr dirty="0"/>
           </a:p>
         </p:txBody>
       </p:sp>
@@ -9713,7 +9713,30 @@
                   <a:srgbClr val="FF0000"/>
                 </a:solidFill>
               </a:rPr>
-              <a:t>name</a:t>
+              <a:t>Harry He</a:t>
+            </a:r>
+          </a:p>
+          <a:p>
+            <a:pPr marL="0" lvl="0" indent="0" algn="ctr" rtl="0">
+              <a:lnSpc>
+                <a:spcPct val="100000"/>
+              </a:lnSpc>
+              <a:spcBef>
+                <a:spcPts val="0"/>
+              </a:spcBef>
+              <a:spcAft>
+                <a:spcPts val="0"/>
+              </a:spcAft>
+              <a:buSzPts val="2800"/>
+              <a:buNone/>
+            </a:pPr>
+            <a:r>
+              <a:rPr lang="en-US" dirty="0">
+                <a:solidFill>
+                  <a:srgbClr val="FF0000"/>
+                </a:solidFill>
+              </a:rPr>
+              <a:t>Gyrocopterfaith@hotmail.com</a:t>
             </a:r>
             <a:endParaRPr dirty="0">
               <a:solidFill>
@@ -9741,35 +9764,7 @@
                   <a:srgbClr val="FF0000"/>
                 </a:solidFill>
               </a:rPr>
-              <a:t>Emory email</a:t>
-            </a:r>
-            <a:endParaRPr dirty="0">
-              <a:solidFill>
-                <a:srgbClr val="FF0000"/>
-              </a:solidFill>
-            </a:endParaRPr>
-          </a:p>
-          <a:p>
-            <a:pPr marL="0" lvl="0" indent="0" algn="ctr" rtl="0">
-              <a:lnSpc>
-                <a:spcPct val="100000"/>
-              </a:lnSpc>
-              <a:spcBef>
-                <a:spcPts val="0"/>
-              </a:spcBef>
-              <a:spcAft>
-                <a:spcPts val="0"/>
-              </a:spcAft>
-              <a:buSzPts val="2800"/>
-              <a:buNone/>
-            </a:pPr>
-            <a:r>
-              <a:rPr lang="en-US" dirty="0" err="1">
-                <a:solidFill>
-                  <a:srgbClr val="FF0000"/>
-                </a:solidFill>
-              </a:rPr>
-              <a:t>netid</a:t>
+              <a:t>2433338</a:t>
             </a:r>
             <a:endParaRPr dirty="0">
               <a:solidFill>
@@ -10191,7 +10186,7 @@
               <a:buNone/>
             </a:pPr>
             <a:r>
-              <a:rPr lang="en" sz="1200" dirty="0">
+              <a:rPr lang="pl-PL" sz="1200" dirty="0">
                 <a:solidFill>
                   <a:schemeClr val="dk1"/>
                 </a:solidFill>
@@ -10200,89 +10195,8 @@
                 <a:cs typeface="Courier New"/>
                 <a:sym typeface="Courier New"/>
               </a:rPr>
-              <a:t>### START CODE HERE ###</a:t>
-            </a:r>
-            <a:endParaRPr sz="1200" dirty="0">
-              <a:solidFill>
-                <a:schemeClr val="dk1"/>
-              </a:solidFill>
-              <a:latin typeface="Courier New"/>
-              <a:ea typeface="Courier New"/>
-              <a:cs typeface="Courier New"/>
-              <a:sym typeface="Courier New"/>
-            </a:endParaRPr>
-          </a:p>
-          <a:p>
-            <a:pPr marL="457200" marR="0" lvl="0" indent="0" algn="l" rtl="0">
-              <a:lnSpc>
-                <a:spcPct val="115000"/>
-              </a:lnSpc>
-              <a:spcBef>
-                <a:spcPts val="0"/>
-              </a:spcBef>
-              <a:spcAft>
-                <a:spcPts val="0"/>
-              </a:spcAft>
-              <a:buNone/>
-            </a:pPr>
-            <a:r>
-              <a:rPr lang="en-US" sz="1200" dirty="0">
-                <a:solidFill>
-                  <a:srgbClr val="FF0000"/>
-                </a:solidFill>
-                <a:latin typeface="Courier New"/>
-                <a:ea typeface="Courier New"/>
-                <a:cs typeface="Courier New"/>
-                <a:sym typeface="Courier New"/>
-              </a:rPr>
-              <a:t>Insert code here</a:t>
-            </a:r>
-          </a:p>
-          <a:p>
-            <a:pPr lvl="0" indent="0">
-              <a:buClr>
-                <a:schemeClr val="dk1"/>
-              </a:buClr>
-              <a:buSzPts val="1100"/>
-              <a:buNone/>
-            </a:pPr>
-            <a:r>
-              <a:rPr lang="en" sz="1200" dirty="0">
-                <a:solidFill>
-                  <a:schemeClr val="dk1"/>
-                </a:solidFill>
-                <a:latin typeface="Courier New"/>
-                <a:ea typeface="Courier New"/>
-                <a:cs typeface="Courier New"/>
-                <a:sym typeface="Courier New"/>
-              </a:rPr>
-              <a:t>### END CODE HERE ###</a:t>
-            </a:r>
-            <a:endParaRPr sz="1200" dirty="0">
-              <a:solidFill>
-                <a:schemeClr val="dk1"/>
-              </a:solidFill>
-              <a:latin typeface="Courier New"/>
-              <a:ea typeface="Courier New"/>
-              <a:cs typeface="Courier New"/>
-              <a:sym typeface="Courier New"/>
-            </a:endParaRPr>
-          </a:p>
-          <a:p>
-            <a:pPr marL="0" lvl="0" indent="457200" algn="l" rtl="0">
-              <a:spcBef>
-                <a:spcPts val="0"/>
-              </a:spcBef>
-              <a:spcAft>
-                <a:spcPts val="0"/>
-              </a:spcAft>
-              <a:buClr>
-                <a:schemeClr val="dk1"/>
-              </a:buClr>
-              <a:buSzPts val="1100"/>
-              <a:buFont typeface="Arial"/>
-              <a:buNone/>
-            </a:pPr>
+              <a:t>z = y.reshape(-1, 2)</a:t>
+            </a:r>
             <a:endParaRPr sz="1200" dirty="0">
               <a:solidFill>
                 <a:schemeClr val="dk1"/>
@@ -10655,7 +10569,7 @@
               <a:buNone/>
             </a:pPr>
             <a:r>
-              <a:rPr lang="en" sz="1200" dirty="0">
+              <a:rPr lang="en-US" sz="1200" dirty="0" err="1">
                 <a:solidFill>
                   <a:schemeClr val="dk1"/>
                 </a:solidFill>
@@ -10664,85 +10578,60 @@
                 <a:cs typeface="Courier New"/>
                 <a:sym typeface="Courier New"/>
               </a:rPr>
-              <a:t>### START CODE HERE ###</a:t>
-            </a:r>
-          </a:p>
-          <a:p>
-            <a:pPr marL="457200" marR="0" lvl="0" indent="0" algn="l" rtl="0">
-              <a:lnSpc>
-                <a:spcPct val="115000"/>
-              </a:lnSpc>
-              <a:spcBef>
-                <a:spcPts val="0"/>
-              </a:spcBef>
-              <a:spcAft>
-                <a:spcPts val="0"/>
-              </a:spcAft>
-              <a:buNone/>
-            </a:pPr>
+              <a:t>rn</a:t>
+            </a:r>
             <a:r>
               <a:rPr lang="en-US" sz="1200" dirty="0">
                 <a:solidFill>
-                  <a:srgbClr val="FF0000"/>
+                  <a:schemeClr val="dk1"/>
                 </a:solidFill>
                 <a:latin typeface="Courier New"/>
                 <a:ea typeface="Courier New"/>
                 <a:cs typeface="Courier New"/>
                 <a:sym typeface="Courier New"/>
               </a:rPr>
-              <a:t>I</a:t>
-            </a:r>
-            <a:r>
-              <a:rPr lang="en" sz="1200" dirty="0" err="1">
-                <a:solidFill>
-                  <a:srgbClr val="FF0000"/>
+              <a:t> = </a:t>
+            </a:r>
+            <a:r>
+              <a:rPr lang="en-US" sz="1200" dirty="0" err="1">
+                <a:solidFill>
+                  <a:schemeClr val="dk1"/>
                 </a:solidFill>
                 <a:latin typeface="Courier New"/>
                 <a:ea typeface="Courier New"/>
                 <a:cs typeface="Courier New"/>
                 <a:sym typeface="Courier New"/>
               </a:rPr>
-              <a:t>nsert</a:t>
-            </a:r>
-            <a:r>
-              <a:rPr lang="en" sz="1200" dirty="0">
-                <a:solidFill>
-                  <a:srgbClr val="FF0000"/>
+              <a:t>np.random.rand</a:t>
+            </a:r>
+            <a:r>
+              <a:rPr lang="en-US" sz="1200" dirty="0">
+                <a:solidFill>
+                  <a:schemeClr val="dk1"/>
                 </a:solidFill>
                 <a:latin typeface="Courier New"/>
                 <a:ea typeface="Courier New"/>
                 <a:cs typeface="Courier New"/>
                 <a:sym typeface="Courier New"/>
               </a:rPr>
-              <a:t> code here</a:t>
-            </a:r>
-            <a:endParaRPr sz="1200" dirty="0">
-              <a:solidFill>
-                <a:srgbClr val="FF0000"/>
-              </a:solidFill>
-              <a:latin typeface="Courier New"/>
-              <a:ea typeface="Courier New"/>
-              <a:cs typeface="Courier New"/>
-              <a:sym typeface="Courier New"/>
-            </a:endParaRPr>
+              <a:t>(N)    </a:t>
+            </a:r>
           </a:p>
           <a:p>
-            <a:pPr marL="457200" lvl="0" indent="0" algn="l" rtl="0">
-              <a:spcBef>
-                <a:spcPts val="0"/>
-              </a:spcBef>
-              <a:spcAft>
-                <a:spcPts val="0"/>
-              </a:spcAft>
-              <a:buClr>
-                <a:schemeClr val="dk1"/>
-              </a:buClr>
-              <a:buSzPts val="1100"/>
-              <a:buFont typeface="Arial"/>
+            <a:pPr marL="457200" marR="0" lvl="0" indent="0" algn="l" rtl="0">
+              <a:lnSpc>
+                <a:spcPct val="115000"/>
+              </a:lnSpc>
+              <a:spcBef>
+                <a:spcPts val="0"/>
+              </a:spcBef>
+              <a:spcAft>
+                <a:spcPts val="0"/>
+              </a:spcAft>
               <a:buNone/>
             </a:pPr>
             <a:r>
-              <a:rPr lang="en" sz="1200" dirty="0">
+              <a:rPr lang="en-US" sz="1200" dirty="0" err="1">
                 <a:solidFill>
                   <a:schemeClr val="dk1"/>
                 </a:solidFill>
@@ -10751,29 +10640,68 @@
                 <a:cs typeface="Courier New"/>
                 <a:sym typeface="Courier New"/>
               </a:rPr>
-              <a:t>### END CODE HERE ###</a:t>
-            </a:r>
-            <a:endParaRPr sz="1200" dirty="0">
-              <a:solidFill>
-                <a:schemeClr val="dk1"/>
-              </a:solidFill>
-              <a:latin typeface="Courier New"/>
-              <a:ea typeface="Courier New"/>
-              <a:cs typeface="Courier New"/>
-              <a:sym typeface="Courier New"/>
-            </a:endParaRPr>
-          </a:p>
-          <a:p>
-            <a:pPr marL="0" lvl="0" indent="457200" algn="l" rtl="0">
-              <a:spcBef>
-                <a:spcPts val="0"/>
-              </a:spcBef>
-              <a:spcAft>
-                <a:spcPts val="0"/>
-              </a:spcAft>
-              <a:buSzPts val="1100"/>
-              <a:buNone/>
-            </a:pPr>
+              <a:t>arr</a:t>
+            </a:r>
+            <a:r>
+              <a:rPr lang="en-US" sz="1200" dirty="0">
+                <a:solidFill>
+                  <a:schemeClr val="dk1"/>
+                </a:solidFill>
+                <a:latin typeface="Courier New"/>
+                <a:ea typeface="Courier New"/>
+                <a:cs typeface="Courier New"/>
+                <a:sym typeface="Courier New"/>
+              </a:rPr>
+              <a:t> = </a:t>
+            </a:r>
+            <a:r>
+              <a:rPr lang="en-US" sz="1200" dirty="0" err="1">
+                <a:solidFill>
+                  <a:schemeClr val="dk1"/>
+                </a:solidFill>
+                <a:latin typeface="Courier New"/>
+                <a:ea typeface="Courier New"/>
+                <a:cs typeface="Courier New"/>
+                <a:sym typeface="Courier New"/>
+              </a:rPr>
+              <a:t>np.floor</a:t>
+            </a:r>
+            <a:r>
+              <a:rPr lang="en-US" sz="1200" dirty="0">
+                <a:solidFill>
+                  <a:schemeClr val="dk1"/>
+                </a:solidFill>
+                <a:latin typeface="Courier New"/>
+                <a:ea typeface="Courier New"/>
+                <a:cs typeface="Courier New"/>
+                <a:sym typeface="Courier New"/>
+              </a:rPr>
+              <a:t>(</a:t>
+            </a:r>
+            <a:r>
+              <a:rPr lang="en-US" sz="1200" dirty="0" err="1">
+                <a:solidFill>
+                  <a:schemeClr val="dk1"/>
+                </a:solidFill>
+                <a:latin typeface="Courier New"/>
+                <a:ea typeface="Courier New"/>
+                <a:cs typeface="Courier New"/>
+                <a:sym typeface="Courier New"/>
+              </a:rPr>
+              <a:t>rn</a:t>
+            </a:r>
+            <a:r>
+              <a:rPr lang="en-US" sz="1200" dirty="0">
+                <a:solidFill>
+                  <a:schemeClr val="dk1"/>
+                </a:solidFill>
+                <a:latin typeface="Courier New"/>
+                <a:ea typeface="Courier New"/>
+                <a:cs typeface="Courier New"/>
+                <a:sym typeface="Courier New"/>
+              </a:rPr>
+              <a:t> * 6) + 1</a:t>
+            </a:r>
             <a:endParaRPr sz="1200" dirty="0">
               <a:solidFill>
                 <a:schemeClr val="dk1"/>
@@ -11367,7 +11295,7 @@
               <a:buNone/>
             </a:pPr>
             <a:r>
-              <a:rPr lang="en" sz="1200" dirty="0">
+              <a:rPr lang="pt-BR" sz="1200" dirty="0">
                 <a:solidFill>
                   <a:schemeClr val="dk1"/>
                 </a:solidFill>
@@ -11376,42 +11304,35 @@
                 <a:cs typeface="Courier New"/>
                 <a:sym typeface="Courier New"/>
               </a:rPr>
-              <a:t>### START CODE HERE ###</a:t>
-            </a:r>
-            <a:endParaRPr sz="1200" dirty="0">
-              <a:solidFill>
-                <a:schemeClr val="dk1"/>
-              </a:solidFill>
-              <a:latin typeface="Courier New"/>
-              <a:ea typeface="Courier New"/>
-              <a:cs typeface="Courier New"/>
-              <a:sym typeface="Courier New"/>
-            </a:endParaRPr>
+              <a:t>x = np.max(z)    </a:t>
+            </a:r>
           </a:p>
           <a:p>
-            <a:pPr marL="457200" marR="0" lvl="0" indent="0" algn="l" rtl="0">
-              <a:lnSpc>
-                <a:spcPct val="115000"/>
-              </a:lnSpc>
-              <a:spcBef>
-                <a:spcPts val="0"/>
-              </a:spcBef>
-              <a:spcAft>
-                <a:spcPts val="0"/>
-              </a:spcAft>
+            <a:pPr marL="457200" lvl="0" indent="0" algn="l" rtl="0">
+              <a:spcBef>
+                <a:spcPts val="0"/>
+              </a:spcBef>
+              <a:spcAft>
+                <a:spcPts val="0"/>
+              </a:spcAft>
+              <a:buClr>
+                <a:schemeClr val="dk1"/>
+              </a:buClr>
+              <a:buSzPts val="1100"/>
+              <a:buFont typeface="Arial"/>
               <a:buNone/>
             </a:pPr>
             <a:r>
-              <a:rPr lang="en-US" sz="1200" dirty="0">
-                <a:solidFill>
-                  <a:srgbClr val="FF0000"/>
+              <a:rPr lang="pt-BR" sz="1200" dirty="0">
+                <a:solidFill>
+                  <a:schemeClr val="dk1"/>
                 </a:solidFill>
                 <a:latin typeface="Courier New"/>
                 <a:ea typeface="Courier New"/>
                 <a:cs typeface="Courier New"/>
                 <a:sym typeface="Courier New"/>
               </a:rPr>
-              <a:t>Insert code here</a:t>
+              <a:t>r, c = np.where(z == x)    </a:t>
             </a:r>
           </a:p>
           <a:p>
@@ -11430,7 +11351,7 @@
               <a:buNone/>
             </a:pPr>
             <a:r>
-              <a:rPr lang="en" sz="1200" dirty="0">
+              <a:rPr lang="pt-BR" sz="1200" dirty="0">
                 <a:solidFill>
                   <a:schemeClr val="dk1"/>
                 </a:solidFill>
@@ -11439,33 +11360,8 @@
                 <a:cs typeface="Courier New"/>
                 <a:sym typeface="Courier New"/>
               </a:rPr>
-              <a:t>### END CODE HERE ###</a:t>
-            </a:r>
-            <a:endParaRPr sz="1200" dirty="0">
-              <a:solidFill>
-                <a:schemeClr val="dk1"/>
-              </a:solidFill>
-              <a:latin typeface="Courier New"/>
-              <a:ea typeface="Courier New"/>
-              <a:cs typeface="Courier New"/>
-              <a:sym typeface="Courier New"/>
-            </a:endParaRPr>
-          </a:p>
-          <a:p>
-            <a:pPr marL="0" lvl="0" indent="457200" algn="l" rtl="0">
-              <a:spcBef>
-                <a:spcPts val="0"/>
-              </a:spcBef>
-              <a:spcAft>
-                <a:spcPts val="0"/>
-              </a:spcAft>
-              <a:buClr>
-                <a:schemeClr val="dk1"/>
-              </a:buClr>
-              <a:buSzPts val="1100"/>
-              <a:buFont typeface="Arial"/>
-              <a:buNone/>
-            </a:pPr>
+              <a:t>r, c = r[0], c[0]</a:t>
+            </a:r>
             <a:endParaRPr sz="1200" dirty="0">
               <a:solidFill>
                 <a:schemeClr val="dk1"/>
@@ -11907,7 +11803,7 @@
               <a:buNone/>
             </a:pPr>
             <a:r>
-              <a:rPr lang="en" sz="1200" dirty="0">
+              <a:rPr lang="en-US" sz="1200" dirty="0">
                 <a:solidFill>
                   <a:schemeClr val="dk1"/>
                 </a:solidFill>
@@ -11916,52 +11812,22 @@
                 <a:cs typeface="Courier New"/>
                 <a:sym typeface="Courier New"/>
               </a:rPr>
-              <a:t>### START CODE HERE ###</a:t>
-            </a:r>
-          </a:p>
-          <a:p>
-            <a:pPr marL="457200" marR="0" lvl="0" indent="0" algn="l" rtl="0">
-              <a:lnSpc>
-                <a:spcPct val="115000"/>
-              </a:lnSpc>
-              <a:spcBef>
-                <a:spcPts val="0"/>
-              </a:spcBef>
-              <a:spcAft>
-                <a:spcPts val="0"/>
-              </a:spcAft>
-              <a:buNone/>
-            </a:pPr>
-            <a:r>
-              <a:rPr lang="en-US" sz="1200" dirty="0">
-                <a:solidFill>
-                  <a:srgbClr val="FF0000"/>
+              <a:t>x = </a:t>
+            </a:r>
+            <a:r>
+              <a:rPr lang="en-US" sz="1200" dirty="0" err="1">
+                <a:solidFill>
+                  <a:schemeClr val="dk1"/>
                 </a:solidFill>
                 <a:latin typeface="Courier New"/>
                 <a:ea typeface="Courier New"/>
                 <a:cs typeface="Courier New"/>
                 <a:sym typeface="Courier New"/>
               </a:rPr>
-              <a:t>Insert code here</a:t>
-            </a:r>
-          </a:p>
-          <a:p>
-            <a:pPr marL="457200" lvl="0" indent="0" algn="l" rtl="0">
-              <a:spcBef>
-                <a:spcPts val="0"/>
-              </a:spcBef>
-              <a:spcAft>
-                <a:spcPts val="0"/>
-              </a:spcAft>
-              <a:buClr>
-                <a:schemeClr val="dk1"/>
-              </a:buClr>
-              <a:buSzPts val="1100"/>
-              <a:buFont typeface="Arial"/>
-              <a:buNone/>
-            </a:pPr>
-            <a:r>
-              <a:rPr lang="en" sz="1200" dirty="0">
+              <a:t>np.count_nonzero</a:t>
+            </a:r>
+            <a:r>
+              <a:rPr lang="en-US" sz="1200" dirty="0">
                 <a:solidFill>
                   <a:schemeClr val="dk1"/>
                 </a:solidFill>
@@ -11970,33 +11836,8 @@
                 <a:cs typeface="Courier New"/>
                 <a:sym typeface="Courier New"/>
               </a:rPr>
-              <a:t>### END CODE HERE ###</a:t>
-            </a:r>
-            <a:endParaRPr sz="1200" dirty="0">
-              <a:solidFill>
-                <a:schemeClr val="dk1"/>
-              </a:solidFill>
-              <a:latin typeface="Courier New"/>
-              <a:ea typeface="Courier New"/>
-              <a:cs typeface="Courier New"/>
-              <a:sym typeface="Courier New"/>
-            </a:endParaRPr>
-          </a:p>
-          <a:p>
-            <a:pPr marL="0" lvl="0" indent="457200" algn="l" rtl="0">
-              <a:spcBef>
-                <a:spcPts val="0"/>
-              </a:spcBef>
-              <a:spcAft>
-                <a:spcPts val="0"/>
-              </a:spcAft>
-              <a:buClr>
-                <a:schemeClr val="dk1"/>
-              </a:buClr>
-              <a:buSzPts val="1100"/>
-              <a:buFont typeface="Arial"/>
-              <a:buNone/>
-            </a:pPr>
+              <a:t>(v == 1)</a:t>
+            </a:r>
             <a:endParaRPr sz="1200" dirty="0">
               <a:solidFill>
                 <a:schemeClr val="dk1"/>
@@ -12326,7 +12167,7 @@
         </p:nvSpPr>
         <p:spPr>
           <a:xfrm>
-            <a:off x="260400" y="2073498"/>
+            <a:off x="145139" y="2073498"/>
             <a:ext cx="4572000" cy="332014"/>
           </a:xfrm>
           <a:prstGeom prst="rect">
@@ -12422,6 +12263,66 @@
           </a:p>
         </p:txBody>
       </p:sp>
+      <p:pic>
+        <p:nvPicPr>
+          <p:cNvPr id="3" name="图片 2">
+            <a:extLst>
+              <a:ext uri="{FF2B5EF4-FFF2-40B4-BE49-F238E27FC236}">
+                <a16:creationId xmlns:a16="http://schemas.microsoft.com/office/drawing/2014/main" id="{4AE4B705-84AB-FFD2-D066-10A775B2353F}"/>
+              </a:ext>
+            </a:extLst>
+          </p:cNvPr>
+          <p:cNvPicPr>
+            <a:picLocks noChangeAspect="1"/>
+          </p:cNvPicPr>
+          <p:nvPr/>
+        </p:nvPicPr>
+        <p:blipFill>
+          <a:blip r:embed="rId3"/>
+          <a:stretch>
+            <a:fillRect/>
+          </a:stretch>
+        </p:blipFill>
+        <p:spPr>
+          <a:xfrm>
+            <a:off x="623337" y="1914433"/>
+            <a:ext cx="2950034" cy="491079"/>
+          </a:xfrm>
+          <a:prstGeom prst="rect">
+            <a:avLst/>
+          </a:prstGeom>
+        </p:spPr>
+      </p:pic>
+      <p:pic>
+        <p:nvPicPr>
+          <p:cNvPr id="7" name="图片 6">
+            <a:extLst>
+              <a:ext uri="{FF2B5EF4-FFF2-40B4-BE49-F238E27FC236}">
+                <a16:creationId xmlns:a16="http://schemas.microsoft.com/office/drawing/2014/main" id="{28B3FB9E-BAF0-7CBF-5718-2BF57F319B27}"/>
+              </a:ext>
+            </a:extLst>
+          </p:cNvPr>
+          <p:cNvPicPr>
+            <a:picLocks noChangeAspect="1"/>
+          </p:cNvPicPr>
+          <p:nvPr/>
+        </p:nvPicPr>
+        <p:blipFill>
+          <a:blip r:embed="rId4"/>
+          <a:stretch>
+            <a:fillRect/>
+          </a:stretch>
+        </p:blipFill>
+        <p:spPr>
+          <a:xfrm>
+            <a:off x="4883700" y="1434353"/>
+            <a:ext cx="3174691" cy="2536480"/>
+          </a:xfrm>
+          <a:prstGeom prst="rect">
+            <a:avLst/>
+          </a:prstGeom>
+        </p:spPr>
+      </p:pic>
     </p:spTree>
   </p:cSld>
   <p:clrMapOvr>
@@ -13238,6 +13139,66 @@
           </a:p>
         </p:txBody>
       </p:sp>
+      <p:pic>
+        <p:nvPicPr>
+          <p:cNvPr id="3" name="图片 2">
+            <a:extLst>
+              <a:ext uri="{FF2B5EF4-FFF2-40B4-BE49-F238E27FC236}">
+                <a16:creationId xmlns:a16="http://schemas.microsoft.com/office/drawing/2014/main" id="{4CB7F6D4-A864-A18B-754E-104A5BC0CF9E}"/>
+              </a:ext>
+            </a:extLst>
+          </p:cNvPr>
+          <p:cNvPicPr>
+            <a:picLocks noChangeAspect="1"/>
+          </p:cNvPicPr>
+          <p:nvPr/>
+        </p:nvPicPr>
+        <p:blipFill>
+          <a:blip r:embed="rId3"/>
+          <a:stretch>
+            <a:fillRect/>
+          </a:stretch>
+        </p:blipFill>
+        <p:spPr>
+          <a:xfrm>
+            <a:off x="528863" y="1341488"/>
+            <a:ext cx="3565573" cy="2808500"/>
+          </a:xfrm>
+          <a:prstGeom prst="rect">
+            <a:avLst/>
+          </a:prstGeom>
+        </p:spPr>
+      </p:pic>
+      <p:pic>
+        <p:nvPicPr>
+          <p:cNvPr id="8" name="图片 7">
+            <a:extLst>
+              <a:ext uri="{FF2B5EF4-FFF2-40B4-BE49-F238E27FC236}">
+                <a16:creationId xmlns:a16="http://schemas.microsoft.com/office/drawing/2014/main" id="{66A24A63-57F1-8663-7414-EBAFB87400BD}"/>
+              </a:ext>
+            </a:extLst>
+          </p:cNvPr>
+          <p:cNvPicPr>
+            <a:picLocks noChangeAspect="1"/>
+          </p:cNvPicPr>
+          <p:nvPr/>
+        </p:nvPicPr>
+        <p:blipFill>
+          <a:blip r:embed="rId4"/>
+          <a:stretch>
+            <a:fillRect/>
+          </a:stretch>
+        </p:blipFill>
+        <p:spPr>
+          <a:xfrm>
+            <a:off x="4681163" y="2405512"/>
+            <a:ext cx="2139029" cy="2114722"/>
+          </a:xfrm>
+          <a:prstGeom prst="rect">
+            <a:avLst/>
+          </a:prstGeom>
+        </p:spPr>
+      </p:pic>
     </p:spTree>
     <p:extLst>
       <p:ext uri="{BB962C8B-B14F-4D97-AF65-F5344CB8AC3E}">
@@ -13603,6 +13564,66 @@
           </a:p>
         </p:txBody>
       </p:sp>
+      <p:pic>
+        <p:nvPicPr>
+          <p:cNvPr id="5" name="图片 4">
+            <a:extLst>
+              <a:ext uri="{FF2B5EF4-FFF2-40B4-BE49-F238E27FC236}">
+                <a16:creationId xmlns:a16="http://schemas.microsoft.com/office/drawing/2014/main" id="{3E9A0CAC-E097-CD1E-AF39-2EF6E428BB4B}"/>
+              </a:ext>
+            </a:extLst>
+          </p:cNvPr>
+          <p:cNvPicPr>
+            <a:picLocks noChangeAspect="1"/>
+          </p:cNvPicPr>
+          <p:nvPr/>
+        </p:nvPicPr>
+        <p:blipFill>
+          <a:blip r:embed="rId3"/>
+          <a:stretch>
+            <a:fillRect/>
+          </a:stretch>
+        </p:blipFill>
+        <p:spPr>
+          <a:xfrm>
+            <a:off x="643305" y="947623"/>
+            <a:ext cx="2519132" cy="3621252"/>
+          </a:xfrm>
+          <a:prstGeom prst="rect">
+            <a:avLst/>
+          </a:prstGeom>
+        </p:spPr>
+      </p:pic>
+      <p:pic>
+        <p:nvPicPr>
+          <p:cNvPr id="7" name="图片 6">
+            <a:extLst>
+              <a:ext uri="{FF2B5EF4-FFF2-40B4-BE49-F238E27FC236}">
+                <a16:creationId xmlns:a16="http://schemas.microsoft.com/office/drawing/2014/main" id="{151CC94C-31FA-9F72-D1FC-9CA0F87622B6}"/>
+              </a:ext>
+            </a:extLst>
+          </p:cNvPr>
+          <p:cNvPicPr>
+            <a:picLocks noChangeAspect="1"/>
+          </p:cNvPicPr>
+          <p:nvPr/>
+        </p:nvPicPr>
+        <p:blipFill>
+          <a:blip r:embed="rId4"/>
+          <a:stretch>
+            <a:fillRect/>
+          </a:stretch>
+        </p:blipFill>
+        <p:spPr>
+          <a:xfrm>
+            <a:off x="4883700" y="947623"/>
+            <a:ext cx="2563719" cy="3852582"/>
+          </a:xfrm>
+          <a:prstGeom prst="rect">
+            <a:avLst/>
+          </a:prstGeom>
+        </p:spPr>
+      </p:pic>
     </p:spTree>
   </p:cSld>
   <p:clrMapOvr>
@@ -14013,6 +14034,66 @@
           </a:p>
         </p:txBody>
       </p:sp>
+      <p:pic>
+        <p:nvPicPr>
+          <p:cNvPr id="5" name="图片 4">
+            <a:extLst>
+              <a:ext uri="{FF2B5EF4-FFF2-40B4-BE49-F238E27FC236}">
+                <a16:creationId xmlns:a16="http://schemas.microsoft.com/office/drawing/2014/main" id="{D72B13A4-6699-2556-4DA0-2F3C6005EBF7}"/>
+              </a:ext>
+            </a:extLst>
+          </p:cNvPr>
+          <p:cNvPicPr>
+            <a:picLocks noChangeAspect="1"/>
+          </p:cNvPicPr>
+          <p:nvPr/>
+        </p:nvPicPr>
+        <p:blipFill>
+          <a:blip r:embed="rId3"/>
+          <a:stretch>
+            <a:fillRect/>
+          </a:stretch>
+        </p:blipFill>
+        <p:spPr>
+          <a:xfrm>
+            <a:off x="374371" y="791438"/>
+            <a:ext cx="2773137" cy="4090760"/>
+          </a:xfrm>
+          <a:prstGeom prst="rect">
+            <a:avLst/>
+          </a:prstGeom>
+        </p:spPr>
+      </p:pic>
+      <p:pic>
+        <p:nvPicPr>
+          <p:cNvPr id="7" name="图片 6">
+            <a:extLst>
+              <a:ext uri="{FF2B5EF4-FFF2-40B4-BE49-F238E27FC236}">
+                <a16:creationId xmlns:a16="http://schemas.microsoft.com/office/drawing/2014/main" id="{0DD082B7-F288-2962-FEA3-211676E560A6}"/>
+              </a:ext>
+            </a:extLst>
+          </p:cNvPr>
+          <p:cNvPicPr>
+            <a:picLocks noChangeAspect="1"/>
+          </p:cNvPicPr>
+          <p:nvPr/>
+        </p:nvPicPr>
+        <p:blipFill>
+          <a:blip r:embed="rId4"/>
+          <a:stretch>
+            <a:fillRect/>
+          </a:stretch>
+        </p:blipFill>
+        <p:spPr>
+          <a:xfrm>
+            <a:off x="4328289" y="791438"/>
+            <a:ext cx="3088012" cy="4285736"/>
+          </a:xfrm>
+          <a:prstGeom prst="rect">
+            <a:avLst/>
+          </a:prstGeom>
+        </p:spPr>
+      </p:pic>
     </p:spTree>
   </p:cSld>
   <p:clrMapOvr>
@@ -14423,6 +14504,66 @@
           </a:p>
         </p:txBody>
       </p:sp>
+      <p:pic>
+        <p:nvPicPr>
+          <p:cNvPr id="5" name="图片 4">
+            <a:extLst>
+              <a:ext uri="{FF2B5EF4-FFF2-40B4-BE49-F238E27FC236}">
+                <a16:creationId xmlns:a16="http://schemas.microsoft.com/office/drawing/2014/main" id="{95A82011-D0A2-64FD-23D1-72FA6C9105B2}"/>
+              </a:ext>
+            </a:extLst>
+          </p:cNvPr>
+          <p:cNvPicPr>
+            <a:picLocks noChangeAspect="1"/>
+          </p:cNvPicPr>
+          <p:nvPr/>
+        </p:nvPicPr>
+        <p:blipFill>
+          <a:blip r:embed="rId3"/>
+          <a:stretch>
+            <a:fillRect/>
+          </a:stretch>
+        </p:blipFill>
+        <p:spPr>
+          <a:xfrm>
+            <a:off x="222464" y="907014"/>
+            <a:ext cx="2899691" cy="4130100"/>
+          </a:xfrm>
+          <a:prstGeom prst="rect">
+            <a:avLst/>
+          </a:prstGeom>
+        </p:spPr>
+      </p:pic>
+      <p:pic>
+        <p:nvPicPr>
+          <p:cNvPr id="7" name="图片 6">
+            <a:extLst>
+              <a:ext uri="{FF2B5EF4-FFF2-40B4-BE49-F238E27FC236}">
+                <a16:creationId xmlns:a16="http://schemas.microsoft.com/office/drawing/2014/main" id="{D6DE7E1F-D94C-1AE2-51D0-1F580FC2EC31}"/>
+              </a:ext>
+            </a:extLst>
+          </p:cNvPr>
+          <p:cNvPicPr>
+            <a:picLocks noChangeAspect="1"/>
+          </p:cNvPicPr>
+          <p:nvPr/>
+        </p:nvPicPr>
+        <p:blipFill>
+          <a:blip r:embed="rId4"/>
+          <a:stretch>
+            <a:fillRect/>
+          </a:stretch>
+        </p:blipFill>
+        <p:spPr>
+          <a:xfrm>
+            <a:off x="4613690" y="907014"/>
+            <a:ext cx="2731483" cy="3984042"/>
+          </a:xfrm>
+          <a:prstGeom prst="rect">
+            <a:avLst/>
+          </a:prstGeom>
+        </p:spPr>
+      </p:pic>
     </p:spTree>
   </p:cSld>
   <p:clrMapOvr>
